--- a/jdh1/PPT_0_TEAM2.pptx
+++ b/jdh1/PPT_0_TEAM2.pptx
@@ -30,7 +30,7 @@
     <p:sldId id="274" r:id="rId24"/>
     <p:sldId id="295" r:id="rId25"/>
     <p:sldId id="302" r:id="rId26"/>
-    <p:sldId id="278" r:id="rId27"/>
+    <p:sldId id="303" r:id="rId27"/>
     <p:sldId id="280" r:id="rId28"/>
     <p:sldId id="285" r:id="rId29"/>
     <p:sldId id="287" r:id="rId30"/>
@@ -9451,20 +9451,7 @@
                 <a:latin typeface="G마켓 산스 TTF Medium" panose="02000000000000000000" pitchFamily="2" charset="-127"/>
                 <a:ea typeface="G마켓 산스 TTF Medium" panose="02000000000000000000" pitchFamily="2" charset="-127"/>
               </a:rPr>
-              <a:t>저번달코로나</a:t>
-            </a:r>
-            <a:r>
-              <a:rPr lang="ko-KR" altLang="en-US" dirty="0">
-                <a:solidFill>
-                  <a:schemeClr val="tx1">
-                    <a:lumMod val="50000"/>
-                    <a:lumOff val="50000"/>
-                  </a:schemeClr>
-                </a:solidFill>
-                <a:latin typeface="G마켓 산스 TTF Medium" panose="02000000000000000000" pitchFamily="2" charset="-127"/>
-                <a:ea typeface="G마켓 산스 TTF Medium" panose="02000000000000000000" pitchFamily="2" charset="-127"/>
-              </a:rPr>
-              <a:t> </a:t>
+              <a:t>영화관이용증감률</a:t>
             </a:r>
             <a:r>
               <a:rPr lang="en-US" altLang="ko-KR" dirty="0">
@@ -9477,20 +9464,33 @@
                 <a:latin typeface="G마켓 산스 TTF Medium" panose="02000000000000000000" pitchFamily="2" charset="-127"/>
                 <a:ea typeface="G마켓 산스 TTF Medium" panose="02000000000000000000" pitchFamily="2" charset="-127"/>
               </a:rPr>
-              <a:t>&amp; </a:t>
-            </a:r>
-            <a:r>
-              <a:rPr lang="ko-KR" altLang="en-US" dirty="0" err="1">
-                <a:solidFill>
-                  <a:schemeClr val="tx1">
-                    <a:lumMod val="50000"/>
-                    <a:lumOff val="50000"/>
-                  </a:schemeClr>
-                </a:solidFill>
-                <a:latin typeface="G마켓 산스 TTF Medium" panose="02000000000000000000" pitchFamily="2" charset="-127"/>
-                <a:ea typeface="G마켓 산스 TTF Medium" panose="02000000000000000000" pitchFamily="2" charset="-127"/>
-              </a:rPr>
-              <a:t>이번달관람객</a:t>
+              <a:t>, </a:t>
+            </a:r>
+            <a:r>
+              <a:rPr lang="en-US" altLang="ko-KR" dirty="0" err="1">
+                <a:solidFill>
+                  <a:schemeClr val="tx1">
+                    <a:lumMod val="50000"/>
+                    <a:lumOff val="50000"/>
+                  </a:schemeClr>
+                </a:solidFill>
+                <a:latin typeface="G마켓 산스 TTF Medium" panose="02000000000000000000" pitchFamily="2" charset="-127"/>
+                <a:ea typeface="G마켓 산스 TTF Medium" panose="02000000000000000000" pitchFamily="2" charset="-127"/>
+              </a:rPr>
+              <a:t>ott</a:t>
+            </a:r>
+            <a:r>
+              <a:rPr lang="ko-KR" altLang="en-US" dirty="0">
+                <a:solidFill>
+                  <a:schemeClr val="tx1">
+                    <a:lumMod val="50000"/>
+                    <a:lumOff val="50000"/>
+                  </a:schemeClr>
+                </a:solidFill>
+                <a:latin typeface="G마켓 산스 TTF Medium" panose="02000000000000000000" pitchFamily="2" charset="-127"/>
+                <a:ea typeface="G마켓 산스 TTF Medium" panose="02000000000000000000" pitchFamily="2" charset="-127"/>
+              </a:rPr>
+              <a:t>영화</a:t>
             </a:r>
             <a:r>
               <a:rPr lang="en-US" altLang="ko-KR" dirty="0">
@@ -9533,7 +9533,7 @@
         <p:spPr>
           <a:xfrm>
             <a:off x="1218948" y="2349500"/>
-            <a:ext cx="9899626" cy="2123658"/>
+            <a:ext cx="9899626" cy="3600986"/>
           </a:xfrm>
           <a:prstGeom prst="rect">
             <a:avLst/>
@@ -9671,6 +9671,124 @@
                 <a:ea typeface="G마켓 산스 TTF Medium" panose="02000000000000000000" pitchFamily="2" charset="-127"/>
               </a:rPr>
               <a:t>?</a:t>
+            </a:r>
+          </a:p>
+          <a:p>
+            <a:pPr algn="ctr"/>
+            <a:endParaRPr lang="en-US" altLang="ko-KR" dirty="0">
+              <a:solidFill>
+                <a:schemeClr val="tx1">
+                  <a:lumMod val="50000"/>
+                  <a:lumOff val="50000"/>
+                </a:schemeClr>
+              </a:solidFill>
+              <a:latin typeface="G마켓 산스 TTF Medium" panose="02000000000000000000" pitchFamily="2" charset="-127"/>
+              <a:ea typeface="G마켓 산스 TTF Medium" panose="02000000000000000000" pitchFamily="2" charset="-127"/>
+            </a:endParaRPr>
+          </a:p>
+          <a:p>
+            <a:pPr algn="ctr"/>
+            <a:r>
+              <a:rPr lang="ko-KR" altLang="en-US" dirty="0">
+                <a:solidFill>
+                  <a:schemeClr val="tx1">
+                    <a:lumMod val="50000"/>
+                    <a:lumOff val="50000"/>
+                  </a:schemeClr>
+                </a:solidFill>
+                <a:latin typeface="G마켓 산스 TTF Medium" panose="02000000000000000000" pitchFamily="2" charset="-127"/>
+                <a:ea typeface="G마켓 산스 TTF Medium" panose="02000000000000000000" pitchFamily="2" charset="-127"/>
+              </a:rPr>
+              <a:t>있다면 어떤 </a:t>
+            </a:r>
+            <a:r>
+              <a:rPr lang="en-US" altLang="ko-KR" sz="2400" dirty="0">
+                <a:latin typeface="G마켓 산스 TTF Medium" panose="02000000000000000000" pitchFamily="2" charset="-127"/>
+                <a:ea typeface="G마켓 산스 TTF Medium" panose="02000000000000000000" pitchFamily="2" charset="-127"/>
+              </a:rPr>
+              <a:t>“</a:t>
+            </a:r>
+            <a:r>
+              <a:rPr lang="ko-KR" altLang="en-US" sz="2400" dirty="0">
+                <a:latin typeface="G마켓 산스 TTF Medium" panose="02000000000000000000" pitchFamily="2" charset="-127"/>
+                <a:ea typeface="G마켓 산스 TTF Medium" panose="02000000000000000000" pitchFamily="2" charset="-127"/>
+              </a:rPr>
+              <a:t>상관관계</a:t>
+            </a:r>
+            <a:r>
+              <a:rPr lang="en-US" altLang="ko-KR" sz="2400" dirty="0">
+                <a:latin typeface="G마켓 산스 TTF Medium" panose="02000000000000000000" pitchFamily="2" charset="-127"/>
+                <a:ea typeface="G마켓 산스 TTF Medium" panose="02000000000000000000" pitchFamily="2" charset="-127"/>
+              </a:rPr>
+              <a:t>”</a:t>
+            </a:r>
+            <a:r>
+              <a:rPr lang="ko-KR" altLang="en-US" dirty="0">
+                <a:solidFill>
+                  <a:schemeClr val="tx1">
+                    <a:lumMod val="50000"/>
+                    <a:lumOff val="50000"/>
+                  </a:schemeClr>
+                </a:solidFill>
+                <a:latin typeface="G마켓 산스 TTF Medium" panose="02000000000000000000" pitchFamily="2" charset="-127"/>
+                <a:ea typeface="G마켓 산스 TTF Medium" panose="02000000000000000000" pitchFamily="2" charset="-127"/>
+              </a:rPr>
+              <a:t>가 있을까</a:t>
+            </a:r>
+            <a:r>
+              <a:rPr lang="en-US" altLang="ko-KR" dirty="0">
+                <a:solidFill>
+                  <a:schemeClr val="tx1">
+                    <a:lumMod val="50000"/>
+                    <a:lumOff val="50000"/>
+                  </a:schemeClr>
+                </a:solidFill>
+                <a:latin typeface="G마켓 산스 TTF Medium" panose="02000000000000000000" pitchFamily="2" charset="-127"/>
+                <a:ea typeface="G마켓 산스 TTF Medium" panose="02000000000000000000" pitchFamily="2" charset="-127"/>
+              </a:rPr>
+              <a:t>?</a:t>
+            </a:r>
+          </a:p>
+          <a:p>
+            <a:pPr algn="ctr"/>
+            <a:endParaRPr lang="en-US" altLang="ko-KR" dirty="0">
+              <a:solidFill>
+                <a:schemeClr val="tx1">
+                  <a:lumMod val="50000"/>
+                  <a:lumOff val="50000"/>
+                </a:schemeClr>
+              </a:solidFill>
+              <a:latin typeface="G마켓 산스 TTF Medium" panose="02000000000000000000" pitchFamily="2" charset="-127"/>
+              <a:ea typeface="G마켓 산스 TTF Medium" panose="02000000000000000000" pitchFamily="2" charset="-127"/>
+            </a:endParaRPr>
+          </a:p>
+          <a:p>
+            <a:pPr algn="ctr"/>
+            <a:endParaRPr lang="en-US" altLang="ko-KR" dirty="0">
+              <a:solidFill>
+                <a:schemeClr val="tx1">
+                  <a:lumMod val="50000"/>
+                  <a:lumOff val="50000"/>
+                </a:schemeClr>
+              </a:solidFill>
+              <a:latin typeface="G마켓 산스 TTF Medium" panose="02000000000000000000" pitchFamily="2" charset="-127"/>
+              <a:ea typeface="G마켓 산스 TTF Medium" panose="02000000000000000000" pitchFamily="2" charset="-127"/>
+            </a:endParaRPr>
+          </a:p>
+          <a:p>
+            <a:pPr algn="ctr"/>
+            <a:r>
+              <a:rPr lang="en-US" altLang="ko-KR" dirty="0">
+                <a:solidFill>
+                  <a:schemeClr val="tx1">
+                    <a:lumMod val="50000"/>
+                    <a:lumOff val="50000"/>
+                  </a:schemeClr>
+                </a:solidFill>
+                <a:latin typeface="G마켓 산스 TTF Medium" panose="02000000000000000000" pitchFamily="2" charset="-127"/>
+                <a:ea typeface="G마켓 산스 TTF Medium" panose="02000000000000000000" pitchFamily="2" charset="-127"/>
+              </a:rPr>
+              <a:t>…</a:t>
             </a:r>
           </a:p>
           <a:p>
@@ -10374,7 +10492,7 @@
         <p:spPr>
           <a:xfrm>
             <a:off x="1078865" y="2349500"/>
-            <a:ext cx="4490720" cy="2308324"/>
+            <a:ext cx="4490720" cy="2862322"/>
           </a:xfrm>
           <a:prstGeom prst="rect">
             <a:avLst/>
@@ -10453,6 +10571,137 @@
               <a:latin typeface="G마켓 산스 TTF Medium" panose="02000000000000000000" pitchFamily="2" charset="-127"/>
               <a:ea typeface="G마켓 산스 TTF Medium" panose="02000000000000000000" pitchFamily="2" charset="-127"/>
             </a:endParaRPr>
+          </a:p>
+          <a:p>
+            <a:endParaRPr lang="en-US" altLang="ko-KR" dirty="0">
+              <a:solidFill>
+                <a:schemeClr val="tx1">
+                  <a:lumMod val="50000"/>
+                  <a:lumOff val="50000"/>
+                </a:schemeClr>
+              </a:solidFill>
+              <a:latin typeface="G마켓 산스 TTF Medium" panose="02000000000000000000" pitchFamily="2" charset="-127"/>
+              <a:ea typeface="G마켓 산스 TTF Medium" panose="02000000000000000000" pitchFamily="2" charset="-127"/>
+            </a:endParaRPr>
+          </a:p>
+          <a:p>
+            <a:r>
+              <a:rPr lang="en-US" altLang="ko-KR" dirty="0">
+                <a:solidFill>
+                  <a:schemeClr val="tx1">
+                    <a:lumMod val="50000"/>
+                    <a:lumOff val="50000"/>
+                  </a:schemeClr>
+                </a:solidFill>
+                <a:latin typeface="G마켓 산스 TTF Medium" panose="02000000000000000000" pitchFamily="2" charset="-127"/>
+                <a:ea typeface="G마켓 산스 TTF Medium" panose="02000000000000000000" pitchFamily="2" charset="-127"/>
+              </a:rPr>
+              <a:t>[</a:t>
+            </a:r>
+            <a:r>
+              <a:rPr lang="ko-KR" altLang="en-US" dirty="0">
+                <a:solidFill>
+                  <a:schemeClr val="tx1">
+                    <a:lumMod val="50000"/>
+                    <a:lumOff val="50000"/>
+                  </a:schemeClr>
+                </a:solidFill>
+                <a:latin typeface="G마켓 산스 TTF Medium" panose="02000000000000000000" pitchFamily="2" charset="-127"/>
+                <a:ea typeface="G마켓 산스 TTF Medium" panose="02000000000000000000" pitchFamily="2" charset="-127"/>
+              </a:rPr>
+              <a:t>전체</a:t>
+            </a:r>
+            <a:r>
+              <a:rPr lang="en-US" altLang="ko-KR" dirty="0">
+                <a:solidFill>
+                  <a:schemeClr val="tx1">
+                    <a:lumMod val="50000"/>
+                    <a:lumOff val="50000"/>
+                  </a:schemeClr>
+                </a:solidFill>
+                <a:latin typeface="G마켓 산스 TTF Medium" panose="02000000000000000000" pitchFamily="2" charset="-127"/>
+                <a:ea typeface="G마켓 산스 TTF Medium" panose="02000000000000000000" pitchFamily="2" charset="-127"/>
+              </a:rPr>
+              <a:t>,</a:t>
+            </a:r>
+            <a:r>
+              <a:rPr lang="ko-KR" altLang="en-US" dirty="0">
+                <a:solidFill>
+                  <a:schemeClr val="tx1">
+                    <a:lumMod val="50000"/>
+                    <a:lumOff val="50000"/>
+                  </a:schemeClr>
+                </a:solidFill>
+                <a:latin typeface="G마켓 산스 TTF Medium" panose="02000000000000000000" pitchFamily="2" charset="-127"/>
+                <a:ea typeface="G마켓 산스 TTF Medium" panose="02000000000000000000" pitchFamily="2" charset="-127"/>
+              </a:rPr>
+              <a:t>성별</a:t>
+            </a:r>
+            <a:r>
+              <a:rPr lang="en-US" altLang="ko-KR" dirty="0">
+                <a:solidFill>
+                  <a:schemeClr val="tx1">
+                    <a:lumMod val="50000"/>
+                    <a:lumOff val="50000"/>
+                  </a:schemeClr>
+                </a:solidFill>
+                <a:latin typeface="G마켓 산스 TTF Medium" panose="02000000000000000000" pitchFamily="2" charset="-127"/>
+                <a:ea typeface="G마켓 산스 TTF Medium" panose="02000000000000000000" pitchFamily="2" charset="-127"/>
+              </a:rPr>
+              <a:t>,</a:t>
+            </a:r>
+            <a:r>
+              <a:rPr lang="ko-KR" altLang="en-US" dirty="0">
+                <a:solidFill>
+                  <a:schemeClr val="tx1">
+                    <a:lumMod val="50000"/>
+                    <a:lumOff val="50000"/>
+                  </a:schemeClr>
+                </a:solidFill>
+                <a:latin typeface="G마켓 산스 TTF Medium" panose="02000000000000000000" pitchFamily="2" charset="-127"/>
+                <a:ea typeface="G마켓 산스 TTF Medium" panose="02000000000000000000" pitchFamily="2" charset="-127"/>
+              </a:rPr>
+              <a:t>연령별</a:t>
+            </a:r>
+            <a:r>
+              <a:rPr lang="en-US" altLang="ko-KR" dirty="0">
+                <a:solidFill>
+                  <a:schemeClr val="tx1">
+                    <a:lumMod val="50000"/>
+                    <a:lumOff val="50000"/>
+                  </a:schemeClr>
+                </a:solidFill>
+                <a:latin typeface="G마켓 산스 TTF Medium" panose="02000000000000000000" pitchFamily="2" charset="-127"/>
+                <a:ea typeface="G마켓 산스 TTF Medium" panose="02000000000000000000" pitchFamily="2" charset="-127"/>
+              </a:rPr>
+              <a:t>]</a:t>
+            </a:r>
+            <a:r>
+              <a:rPr lang="ko-KR" altLang="en-US" dirty="0">
+                <a:solidFill>
+                  <a:schemeClr val="tx1">
+                    <a:lumMod val="50000"/>
+                    <a:lumOff val="50000"/>
+                  </a:schemeClr>
+                </a:solidFill>
+                <a:latin typeface="G마켓 산스 TTF Medium" panose="02000000000000000000" pitchFamily="2" charset="-127"/>
+                <a:ea typeface="G마켓 산스 TTF Medium" panose="02000000000000000000" pitchFamily="2" charset="-127"/>
+              </a:rPr>
+              <a:t>데이터로 확인한 결과</a:t>
+            </a:r>
+            <a:r>
+              <a:rPr lang="en-US" altLang="ko-KR" dirty="0">
+                <a:solidFill>
+                  <a:schemeClr val="tx1">
+                    <a:lumMod val="50000"/>
+                    <a:lumOff val="50000"/>
+                  </a:schemeClr>
+                </a:solidFill>
+                <a:latin typeface="G마켓 산스 TTF Medium" panose="02000000000000000000" pitchFamily="2" charset="-127"/>
+                <a:ea typeface="G마켓 산스 TTF Medium" panose="02000000000000000000" pitchFamily="2" charset="-127"/>
+              </a:rPr>
+              <a:t>, </a:t>
+            </a:r>
           </a:p>
           <a:p>
             <a:endParaRPr lang="en-US" altLang="ko-KR" dirty="0">
@@ -16105,82 +16354,6 @@
       </p:grpSpPr>
       <p:sp>
         <p:nvSpPr>
-          <p:cNvPr id="2" name="TextBox 1">
-            <a:extLst>
-              <a:ext uri="{FF2B5EF4-FFF2-40B4-BE49-F238E27FC236}">
-                <a16:creationId xmlns:a16="http://schemas.microsoft.com/office/drawing/2014/main" id="{B2B40209-F826-6F25-9451-58A52E807C2A}"/>
-              </a:ext>
-            </a:extLst>
-          </p:cNvPr>
-          <p:cNvSpPr txBox="1"/>
-          <p:nvPr/>
-        </p:nvSpPr>
-        <p:spPr>
-          <a:xfrm>
-            <a:off x="556589" y="1004397"/>
-            <a:ext cx="3457849" cy="954107"/>
-          </a:xfrm>
-          <a:prstGeom prst="rect">
-            <a:avLst/>
-          </a:prstGeom>
-          <a:noFill/>
-        </p:spPr>
-        <p:txBody>
-          <a:bodyPr wrap="square" rtlCol="0">
-            <a:spAutoFit/>
-          </a:bodyPr>
-          <a:lstStyle/>
-          <a:p>
-            <a:r>
-              <a:rPr lang="en-US" altLang="ko-KR" sz="2800" dirty="0">
-                <a:latin typeface="G마켓 산스 TTF Medium" panose="02000000000000000000" pitchFamily="2" charset="-127"/>
-                <a:ea typeface="G마켓 산스 TTF Medium" panose="02000000000000000000" pitchFamily="2" charset="-127"/>
-              </a:rPr>
-              <a:t>Ott</a:t>
-            </a:r>
-            <a:r>
-              <a:rPr lang="ko-KR" altLang="en-US" sz="2800" dirty="0">
-                <a:latin typeface="G마켓 산스 TTF Medium" panose="02000000000000000000" pitchFamily="2" charset="-127"/>
-                <a:ea typeface="G마켓 산스 TTF Medium" panose="02000000000000000000" pitchFamily="2" charset="-127"/>
-              </a:rPr>
-              <a:t>서비스</a:t>
-            </a:r>
-            <a:r>
-              <a:rPr lang="en-US" altLang="ko-KR" sz="2800" dirty="0">
-                <a:latin typeface="G마켓 산스 TTF Medium" panose="02000000000000000000" pitchFamily="2" charset="-127"/>
-                <a:ea typeface="G마켓 산스 TTF Medium" panose="02000000000000000000" pitchFamily="2" charset="-127"/>
-              </a:rPr>
-              <a:t>_</a:t>
-            </a:r>
-            <a:r>
-              <a:rPr lang="ko-KR" altLang="en-US" sz="2800" dirty="0">
-                <a:latin typeface="G마켓 산스 TTF Medium" panose="02000000000000000000" pitchFamily="2" charset="-127"/>
-                <a:ea typeface="G마켓 산스 TTF Medium" panose="02000000000000000000" pitchFamily="2" charset="-127"/>
-              </a:rPr>
-              <a:t>영화관람</a:t>
-            </a:r>
-            <a:endParaRPr lang="en-US" altLang="ko-KR" sz="2800" dirty="0">
-              <a:latin typeface="G마켓 산스 TTF Medium" panose="02000000000000000000" pitchFamily="2" charset="-127"/>
-              <a:ea typeface="G마켓 산스 TTF Medium" panose="02000000000000000000" pitchFamily="2" charset="-127"/>
-            </a:endParaRPr>
-          </a:p>
-          <a:p>
-            <a:r>
-              <a:rPr lang="ko-KR" altLang="en-US" sz="2800" dirty="0">
-                <a:latin typeface="G마켓 산스 TTF Medium" panose="02000000000000000000" pitchFamily="2" charset="-127"/>
-                <a:ea typeface="G마켓 산스 TTF Medium" panose="02000000000000000000" pitchFamily="2" charset="-127"/>
-              </a:rPr>
-              <a:t>영화관 관람객</a:t>
-            </a:r>
-            <a:endParaRPr lang="ko-KR" altLang="en-US" sz="2400" dirty="0">
-              <a:latin typeface="G마켓 산스 TTF Medium" panose="02000000000000000000" pitchFamily="2" charset="-127"/>
-              <a:ea typeface="G마켓 산스 TTF Medium" panose="02000000000000000000" pitchFamily="2" charset="-127"/>
-            </a:endParaRPr>
-          </a:p>
-        </p:txBody>
-      </p:sp>
-      <p:sp>
-        <p:nvSpPr>
           <p:cNvPr id="4" name="TextBox 3">
             <a:extLst>
               <a:ext uri="{FF2B5EF4-FFF2-40B4-BE49-F238E27FC236}">
@@ -16292,10 +16465,10 @@
       </p:sp>
       <p:sp>
         <p:nvSpPr>
-          <p:cNvPr id="3" name="TextBox 2">
-            <a:extLst>
-              <a:ext uri="{FF2B5EF4-FFF2-40B4-BE49-F238E27FC236}">
-                <a16:creationId xmlns:a16="http://schemas.microsoft.com/office/drawing/2014/main" id="{A5D0B0FA-C20F-966D-56D9-353B5047A423}"/>
+          <p:cNvPr id="7" name="TextBox 6">
+            <a:extLst>
+              <a:ext uri="{FF2B5EF4-FFF2-40B4-BE49-F238E27FC236}">
+                <a16:creationId xmlns:a16="http://schemas.microsoft.com/office/drawing/2014/main" id="{C59C6730-0DA3-7343-A82B-F1F72F487F06}"/>
               </a:ext>
             </a:extLst>
           </p:cNvPr>
@@ -16304,8 +16477,8 @@
         </p:nvSpPr>
         <p:spPr>
           <a:xfrm>
-            <a:off x="6096000" y="1984576"/>
-            <a:ext cx="4490720" cy="369332"/>
+            <a:off x="1218948" y="2349500"/>
+            <a:ext cx="9899626" cy="2862322"/>
           </a:xfrm>
           <a:prstGeom prst="rect">
             <a:avLst/>
@@ -16318,6 +16491,59 @@
           </a:bodyPr>
           <a:lstStyle/>
           <a:p>
+            <a:pPr algn="ctr"/>
+            <a:r>
+              <a:rPr lang="ko-KR" altLang="en-US" dirty="0">
+                <a:solidFill>
+                  <a:schemeClr val="tx1">
+                    <a:lumMod val="50000"/>
+                    <a:lumOff val="50000"/>
+                  </a:schemeClr>
+                </a:solidFill>
+                <a:latin typeface="G마켓 산스 TTF Medium" panose="02000000000000000000" pitchFamily="2" charset="-127"/>
+                <a:ea typeface="G마켓 산스 TTF Medium" panose="02000000000000000000" pitchFamily="2" charset="-127"/>
+              </a:rPr>
+              <a:t>상관관계분석 결과</a:t>
+            </a:r>
+            <a:endParaRPr lang="en-US" altLang="ko-KR" dirty="0">
+              <a:solidFill>
+                <a:schemeClr val="tx1">
+                  <a:lumMod val="50000"/>
+                  <a:lumOff val="50000"/>
+                </a:schemeClr>
+              </a:solidFill>
+              <a:latin typeface="G마켓 산스 TTF Medium" panose="02000000000000000000" pitchFamily="2" charset="-127"/>
+              <a:ea typeface="G마켓 산스 TTF Medium" panose="02000000000000000000" pitchFamily="2" charset="-127"/>
+            </a:endParaRPr>
+          </a:p>
+          <a:p>
+            <a:pPr algn="ctr"/>
+            <a:endParaRPr lang="en-US" altLang="ko-KR" dirty="0">
+              <a:solidFill>
+                <a:schemeClr val="tx1">
+                  <a:lumMod val="50000"/>
+                  <a:lumOff val="50000"/>
+                </a:schemeClr>
+              </a:solidFill>
+              <a:latin typeface="G마켓 산스 TTF Medium" panose="02000000000000000000" pitchFamily="2" charset="-127"/>
+              <a:ea typeface="G마켓 산스 TTF Medium" panose="02000000000000000000" pitchFamily="2" charset="-127"/>
+            </a:endParaRPr>
+          </a:p>
+          <a:p>
+            <a:pPr algn="ctr"/>
+            <a:r>
+              <a:rPr lang="ko-KR" altLang="en-US" dirty="0">
+                <a:solidFill>
+                  <a:schemeClr val="tx1">
+                    <a:lumMod val="50000"/>
+                    <a:lumOff val="50000"/>
+                  </a:schemeClr>
+                </a:solidFill>
+                <a:latin typeface="G마켓 산스 TTF Medium" panose="02000000000000000000" pitchFamily="2" charset="-127"/>
+                <a:ea typeface="G마켓 산스 TTF Medium" panose="02000000000000000000" pitchFamily="2" charset="-127"/>
+              </a:rPr>
+              <a:t>코로나와 </a:t>
+            </a:r>
             <a:r>
               <a:rPr lang="ko-KR" altLang="en-US" dirty="0" err="1">
                 <a:solidFill>
@@ -16329,20 +16555,256 @@
                 <a:latin typeface="G마켓 산스 TTF Medium" panose="02000000000000000000" pitchFamily="2" charset="-127"/>
                 <a:ea typeface="G마켓 산스 TTF Medium" panose="02000000000000000000" pitchFamily="2" charset="-127"/>
               </a:rPr>
-              <a:t>수민님</a:t>
-            </a:r>
-            <a:r>
-              <a:rPr lang="ko-KR" altLang="en-US" dirty="0">
-                <a:solidFill>
-                  <a:schemeClr val="tx1">
-                    <a:lumMod val="50000"/>
-                    <a:lumOff val="50000"/>
-                  </a:schemeClr>
-                </a:solidFill>
-                <a:latin typeface="G마켓 산스 TTF Medium" panose="02000000000000000000" pitchFamily="2" charset="-127"/>
-                <a:ea typeface="G마켓 산스 TTF Medium" panose="02000000000000000000" pitchFamily="2" charset="-127"/>
-              </a:rPr>
-              <a:t> 영화관 가격인상시점과 매출의 관계</a:t>
+              <a:t>영화관이용률</a:t>
+            </a:r>
+            <a:r>
+              <a:rPr lang="en-US" altLang="ko-KR" dirty="0">
+                <a:solidFill>
+                  <a:schemeClr val="tx1">
+                    <a:lumMod val="50000"/>
+                    <a:lumOff val="50000"/>
+                  </a:schemeClr>
+                </a:solidFill>
+                <a:latin typeface="G마켓 산스 TTF Medium" panose="02000000000000000000" pitchFamily="2" charset="-127"/>
+                <a:ea typeface="G마켓 산스 TTF Medium" panose="02000000000000000000" pitchFamily="2" charset="-127"/>
+              </a:rPr>
+              <a:t>,</a:t>
+            </a:r>
+          </a:p>
+          <a:p>
+            <a:pPr algn="ctr"/>
+            <a:r>
+              <a:rPr lang="ko-KR" altLang="en-US" dirty="0">
+                <a:solidFill>
+                  <a:schemeClr val="tx1">
+                    <a:lumMod val="50000"/>
+                    <a:lumOff val="50000"/>
+                  </a:schemeClr>
+                </a:solidFill>
+                <a:latin typeface="G마켓 산스 TTF Medium" panose="02000000000000000000" pitchFamily="2" charset="-127"/>
+                <a:ea typeface="G마켓 산스 TTF Medium" panose="02000000000000000000" pitchFamily="2" charset="-127"/>
+              </a:rPr>
+              <a:t>결론</a:t>
+            </a:r>
+            <a:r>
+              <a:rPr lang="en-US" altLang="ko-KR" dirty="0">
+                <a:solidFill>
+                  <a:schemeClr val="tx1">
+                    <a:lumMod val="50000"/>
+                    <a:lumOff val="50000"/>
+                  </a:schemeClr>
+                </a:solidFill>
+                <a:latin typeface="G마켓 산스 TTF Medium" panose="02000000000000000000" pitchFamily="2" charset="-127"/>
+                <a:ea typeface="G마켓 산스 TTF Medium" panose="02000000000000000000" pitchFamily="2" charset="-127"/>
+              </a:rPr>
+              <a:t>:</a:t>
+            </a:r>
+          </a:p>
+          <a:p>
+            <a:pPr algn="ctr"/>
+            <a:endParaRPr lang="en-US" altLang="ko-KR" dirty="0">
+              <a:solidFill>
+                <a:schemeClr val="tx1">
+                  <a:lumMod val="50000"/>
+                  <a:lumOff val="50000"/>
+                </a:schemeClr>
+              </a:solidFill>
+              <a:latin typeface="G마켓 산스 TTF Medium" panose="02000000000000000000" pitchFamily="2" charset="-127"/>
+              <a:ea typeface="G마켓 산스 TTF Medium" panose="02000000000000000000" pitchFamily="2" charset="-127"/>
+            </a:endParaRPr>
+          </a:p>
+          <a:p>
+            <a:pPr algn="ctr"/>
+            <a:r>
+              <a:rPr lang="en-US" altLang="ko-KR" dirty="0">
+                <a:solidFill>
+                  <a:schemeClr val="tx1">
+                    <a:lumMod val="50000"/>
+                    <a:lumOff val="50000"/>
+                  </a:schemeClr>
+                </a:solidFill>
+                <a:latin typeface="G마켓 산스 TTF Medium" panose="02000000000000000000" pitchFamily="2" charset="-127"/>
+                <a:ea typeface="G마켓 산스 TTF Medium" panose="02000000000000000000" pitchFamily="2" charset="-127"/>
+              </a:rPr>
+              <a:t>OTT</a:t>
+            </a:r>
+            <a:r>
+              <a:rPr lang="ko-KR" altLang="en-US" dirty="0" err="1">
+                <a:solidFill>
+                  <a:schemeClr val="tx1">
+                    <a:lumMod val="50000"/>
+                    <a:lumOff val="50000"/>
+                  </a:schemeClr>
+                </a:solidFill>
+                <a:latin typeface="G마켓 산스 TTF Medium" panose="02000000000000000000" pitchFamily="2" charset="-127"/>
+                <a:ea typeface="G마켓 산스 TTF Medium" panose="02000000000000000000" pitchFamily="2" charset="-127"/>
+              </a:rPr>
+              <a:t>영화시청증감률과</a:t>
+            </a:r>
+            <a:r>
+              <a:rPr lang="ko-KR" altLang="en-US" dirty="0">
+                <a:solidFill>
+                  <a:schemeClr val="tx1">
+                    <a:lumMod val="50000"/>
+                    <a:lumOff val="50000"/>
+                  </a:schemeClr>
+                </a:solidFill>
+                <a:latin typeface="G마켓 산스 TTF Medium" panose="02000000000000000000" pitchFamily="2" charset="-127"/>
+                <a:ea typeface="G마켓 산스 TTF Medium" panose="02000000000000000000" pitchFamily="2" charset="-127"/>
+              </a:rPr>
+              <a:t> </a:t>
+            </a:r>
+            <a:r>
+              <a:rPr lang="ko-KR" altLang="en-US" dirty="0" err="1">
+                <a:solidFill>
+                  <a:schemeClr val="tx1">
+                    <a:lumMod val="50000"/>
+                    <a:lumOff val="50000"/>
+                  </a:schemeClr>
+                </a:solidFill>
+                <a:latin typeface="G마켓 산스 TTF Medium" panose="02000000000000000000" pitchFamily="2" charset="-127"/>
+                <a:ea typeface="G마켓 산스 TTF Medium" panose="02000000000000000000" pitchFamily="2" charset="-127"/>
+              </a:rPr>
+              <a:t>영화관영화시청증감률</a:t>
+            </a:r>
+            <a:r>
+              <a:rPr lang="en-US" altLang="ko-KR" dirty="0">
+                <a:solidFill>
+                  <a:schemeClr val="tx1">
+                    <a:lumMod val="50000"/>
+                    <a:lumOff val="50000"/>
+                  </a:schemeClr>
+                </a:solidFill>
+                <a:latin typeface="G마켓 산스 TTF Medium" panose="02000000000000000000" pitchFamily="2" charset="-127"/>
+                <a:ea typeface="G마켓 산스 TTF Medium" panose="02000000000000000000" pitchFamily="2" charset="-127"/>
+              </a:rPr>
+              <a:t>,</a:t>
+            </a:r>
+          </a:p>
+          <a:p>
+            <a:pPr algn="ctr"/>
+            <a:r>
+              <a:rPr lang="ko-KR" altLang="en-US" dirty="0">
+                <a:solidFill>
+                  <a:schemeClr val="tx1">
+                    <a:lumMod val="50000"/>
+                    <a:lumOff val="50000"/>
+                  </a:schemeClr>
+                </a:solidFill>
+                <a:latin typeface="G마켓 산스 TTF Medium" panose="02000000000000000000" pitchFamily="2" charset="-127"/>
+                <a:ea typeface="G마켓 산스 TTF Medium" panose="02000000000000000000" pitchFamily="2" charset="-127"/>
+              </a:rPr>
+              <a:t>결론</a:t>
+            </a:r>
+            <a:r>
+              <a:rPr lang="en-US" altLang="ko-KR" dirty="0">
+                <a:solidFill>
+                  <a:schemeClr val="tx1">
+                    <a:lumMod val="50000"/>
+                    <a:lumOff val="50000"/>
+                  </a:schemeClr>
+                </a:solidFill>
+                <a:latin typeface="G마켓 산스 TTF Medium" panose="02000000000000000000" pitchFamily="2" charset="-127"/>
+                <a:ea typeface="G마켓 산스 TTF Medium" panose="02000000000000000000" pitchFamily="2" charset="-127"/>
+              </a:rPr>
+              <a:t>:</a:t>
+            </a:r>
+          </a:p>
+          <a:p>
+            <a:pPr algn="ctr"/>
+            <a:endParaRPr lang="en-US" altLang="ko-KR" dirty="0">
+              <a:solidFill>
+                <a:schemeClr val="tx1">
+                  <a:lumMod val="50000"/>
+                  <a:lumOff val="50000"/>
+                </a:schemeClr>
+              </a:solidFill>
+              <a:latin typeface="G마켓 산스 TTF Medium" panose="02000000000000000000" pitchFamily="2" charset="-127"/>
+              <a:ea typeface="G마켓 산스 TTF Medium" panose="02000000000000000000" pitchFamily="2" charset="-127"/>
+            </a:endParaRPr>
+          </a:p>
+          <a:p>
+            <a:pPr algn="ctr"/>
+            <a:r>
+              <a:rPr lang="ko-KR" altLang="en-US" dirty="0">
+                <a:solidFill>
+                  <a:schemeClr val="tx1">
+                    <a:lumMod val="50000"/>
+                    <a:lumOff val="50000"/>
+                  </a:schemeClr>
+                </a:solidFill>
+                <a:latin typeface="G마켓 산스 TTF Medium" panose="02000000000000000000" pitchFamily="2" charset="-127"/>
+                <a:ea typeface="G마켓 산스 TTF Medium" panose="02000000000000000000" pitchFamily="2" charset="-127"/>
+              </a:rPr>
+              <a:t>코로나와 </a:t>
+            </a:r>
+            <a:r>
+              <a:rPr lang="en-US" altLang="ko-KR" dirty="0">
+                <a:solidFill>
+                  <a:schemeClr val="tx1">
+                    <a:lumMod val="50000"/>
+                    <a:lumOff val="50000"/>
+                  </a:schemeClr>
+                </a:solidFill>
+                <a:latin typeface="G마켓 산스 TTF Medium" panose="02000000000000000000" pitchFamily="2" charset="-127"/>
+                <a:ea typeface="G마켓 산스 TTF Medium" panose="02000000000000000000" pitchFamily="2" charset="-127"/>
+              </a:rPr>
+              <a:t>OTT</a:t>
+            </a:r>
+            <a:r>
+              <a:rPr lang="ko-KR" altLang="en-US" dirty="0" err="1">
+                <a:solidFill>
+                  <a:schemeClr val="tx1">
+                    <a:lumMod val="50000"/>
+                    <a:lumOff val="50000"/>
+                  </a:schemeClr>
+                </a:solidFill>
+                <a:latin typeface="G마켓 산스 TTF Medium" panose="02000000000000000000" pitchFamily="2" charset="-127"/>
+                <a:ea typeface="G마켓 산스 TTF Medium" panose="02000000000000000000" pitchFamily="2" charset="-127"/>
+              </a:rPr>
+              <a:t>영화시청증감률</a:t>
+            </a:r>
+            <a:r>
+              <a:rPr lang="en-US" altLang="ko-KR" dirty="0">
+                <a:solidFill>
+                  <a:schemeClr val="tx1">
+                    <a:lumMod val="50000"/>
+                    <a:lumOff val="50000"/>
+                  </a:schemeClr>
+                </a:solidFill>
+                <a:latin typeface="G마켓 산스 TTF Medium" panose="02000000000000000000" pitchFamily="2" charset="-127"/>
+                <a:ea typeface="G마켓 산스 TTF Medium" panose="02000000000000000000" pitchFamily="2" charset="-127"/>
+              </a:rPr>
+              <a:t>,</a:t>
+            </a:r>
+          </a:p>
+          <a:p>
+            <a:pPr algn="ctr"/>
+            <a:r>
+              <a:rPr lang="ko-KR" altLang="en-US" dirty="0">
+                <a:solidFill>
+                  <a:schemeClr val="tx1">
+                    <a:lumMod val="50000"/>
+                    <a:lumOff val="50000"/>
+                  </a:schemeClr>
+                </a:solidFill>
+                <a:latin typeface="G마켓 산스 TTF Medium" panose="02000000000000000000" pitchFamily="2" charset="-127"/>
+                <a:ea typeface="G마켓 산스 TTF Medium" panose="02000000000000000000" pitchFamily="2" charset="-127"/>
+              </a:rPr>
+              <a:t>결론</a:t>
+            </a:r>
+            <a:r>
+              <a:rPr lang="en-US" altLang="ko-KR" dirty="0">
+                <a:solidFill>
+                  <a:schemeClr val="tx1">
+                    <a:lumMod val="50000"/>
+                    <a:lumOff val="50000"/>
+                  </a:schemeClr>
+                </a:solidFill>
+                <a:latin typeface="G마켓 산스 TTF Medium" panose="02000000000000000000" pitchFamily="2" charset="-127"/>
+                <a:ea typeface="G마켓 산스 TTF Medium" panose="02000000000000000000" pitchFamily="2" charset="-127"/>
+              </a:rPr>
+              <a:t>: </a:t>
             </a:r>
           </a:p>
         </p:txBody>
@@ -16352,7 +16814,7 @@
           <p:cNvPr id="6" name="TextBox 5">
             <a:extLst>
               <a:ext uri="{FF2B5EF4-FFF2-40B4-BE49-F238E27FC236}">
-                <a16:creationId xmlns:a16="http://schemas.microsoft.com/office/drawing/2014/main" id="{2004523E-06FB-F009-A607-0C32D7BDD3E9}"/>
+                <a16:creationId xmlns:a16="http://schemas.microsoft.com/office/drawing/2014/main" id="{45D7B546-DCF0-11B7-045D-9E7F86A88C92}"/>
               </a:ext>
             </a:extLst>
           </p:cNvPr>
@@ -16361,8 +16823,8 @@
         </p:nvSpPr>
         <p:spPr>
           <a:xfrm>
-            <a:off x="6096000" y="2437286"/>
-            <a:ext cx="4490720" cy="2308324"/>
+            <a:off x="556590" y="1004397"/>
+            <a:ext cx="2802455" cy="954107"/>
           </a:xfrm>
           <a:prstGeom prst="rect">
             <a:avLst/>
@@ -16376,222 +16838,44 @@
           <a:lstStyle/>
           <a:p>
             <a:r>
-              <a:rPr lang="en-US" altLang="ko-KR" dirty="0">
-                <a:solidFill>
-                  <a:schemeClr val="tx1">
-                    <a:lumMod val="50000"/>
-                    <a:lumOff val="50000"/>
-                  </a:schemeClr>
-                </a:solidFill>
-                <a:latin typeface="G마켓 산스 TTF Medium" panose="02000000000000000000" pitchFamily="2" charset="-127"/>
-                <a:ea typeface="G마켓 산스 TTF Medium" panose="02000000000000000000" pitchFamily="2" charset="-127"/>
-              </a:rPr>
-              <a:t>3</a:t>
-            </a:r>
-            <a:r>
-              <a:rPr lang="ko-KR" altLang="en-US" dirty="0">
-                <a:solidFill>
-                  <a:schemeClr val="tx1">
-                    <a:lumMod val="50000"/>
-                    <a:lumOff val="50000"/>
-                  </a:schemeClr>
-                </a:solidFill>
-                <a:latin typeface="G마켓 산스 TTF Medium" panose="02000000000000000000" pitchFamily="2" charset="-127"/>
-                <a:ea typeface="G마켓 산스 TTF Medium" panose="02000000000000000000" pitchFamily="2" charset="-127"/>
-              </a:rPr>
-              <a:t>사 영화관 가격 인상 시점</a:t>
-            </a:r>
-            <a:endParaRPr lang="en-US" altLang="ko-KR" dirty="0">
-              <a:solidFill>
-                <a:schemeClr val="tx1">
-                  <a:lumMod val="50000"/>
-                  <a:lumOff val="50000"/>
-                </a:schemeClr>
-              </a:solidFill>
+              <a:rPr lang="en-US" altLang="ko-KR" sz="2800" dirty="0">
+                <a:latin typeface="G마켓 산스 TTF Medium" panose="02000000000000000000" pitchFamily="2" charset="-127"/>
+                <a:ea typeface="G마켓 산스 TTF Medium" panose="02000000000000000000" pitchFamily="2" charset="-127"/>
+              </a:rPr>
+              <a:t>OTT</a:t>
+            </a:r>
+            <a:r>
+              <a:rPr lang="ko-KR" altLang="en-US" sz="2800" dirty="0">
+                <a:latin typeface="G마켓 산스 TTF Medium" panose="02000000000000000000" pitchFamily="2" charset="-127"/>
+                <a:ea typeface="G마켓 산스 TTF Medium" panose="02000000000000000000" pitchFamily="2" charset="-127"/>
+              </a:rPr>
+              <a:t>서비스</a:t>
+            </a:r>
+            <a:r>
+              <a:rPr lang="en-US" altLang="ko-KR" sz="2800" dirty="0">
+                <a:latin typeface="G마켓 산스 TTF Medium" panose="02000000000000000000" pitchFamily="2" charset="-127"/>
+                <a:ea typeface="G마켓 산스 TTF Medium" panose="02000000000000000000" pitchFamily="2" charset="-127"/>
+              </a:rPr>
+              <a:t>,</a:t>
+            </a:r>
+            <a:r>
+              <a:rPr lang="ko-KR" altLang="en-US" sz="2800" dirty="0">
+                <a:latin typeface="G마켓 산스 TTF Medium" panose="02000000000000000000" pitchFamily="2" charset="-127"/>
+                <a:ea typeface="G마켓 산스 TTF Medium" panose="02000000000000000000" pitchFamily="2" charset="-127"/>
+              </a:rPr>
+              <a:t> 영화관영화관람</a:t>
+            </a:r>
+            <a:endParaRPr lang="ko-KR" altLang="en-US" sz="2400" dirty="0">
               <a:latin typeface="G마켓 산스 TTF Medium" panose="02000000000000000000" pitchFamily="2" charset="-127"/>
               <a:ea typeface="G마켓 산스 TTF Medium" panose="02000000000000000000" pitchFamily="2" charset="-127"/>
             </a:endParaRPr>
           </a:p>
-          <a:p>
-            <a:endParaRPr lang="en-US" altLang="ko-KR" dirty="0">
-              <a:solidFill>
-                <a:schemeClr val="tx1">
-                  <a:lumMod val="50000"/>
-                  <a:lumOff val="50000"/>
-                </a:schemeClr>
-              </a:solidFill>
-              <a:latin typeface="G마켓 산스 TTF Medium" panose="02000000000000000000" pitchFamily="2" charset="-127"/>
-              <a:ea typeface="G마켓 산스 TTF Medium" panose="02000000000000000000" pitchFamily="2" charset="-127"/>
-            </a:endParaRPr>
-          </a:p>
-          <a:p>
-            <a:endParaRPr lang="en-US" altLang="ko-KR" dirty="0">
-              <a:solidFill>
-                <a:schemeClr val="tx1">
-                  <a:lumMod val="50000"/>
-                  <a:lumOff val="50000"/>
-                </a:schemeClr>
-              </a:solidFill>
-              <a:latin typeface="G마켓 산스 TTF Medium" panose="02000000000000000000" pitchFamily="2" charset="-127"/>
-              <a:ea typeface="G마켓 산스 TTF Medium" panose="02000000000000000000" pitchFamily="2" charset="-127"/>
-            </a:endParaRPr>
-          </a:p>
-          <a:p>
-            <a:endParaRPr lang="en-US" altLang="ko-KR" dirty="0">
-              <a:solidFill>
-                <a:schemeClr val="tx1">
-                  <a:lumMod val="50000"/>
-                  <a:lumOff val="50000"/>
-                </a:schemeClr>
-              </a:solidFill>
-              <a:latin typeface="G마켓 산스 TTF Medium" panose="02000000000000000000" pitchFamily="2" charset="-127"/>
-              <a:ea typeface="G마켓 산스 TTF Medium" panose="02000000000000000000" pitchFamily="2" charset="-127"/>
-            </a:endParaRPr>
-          </a:p>
-          <a:p>
-            <a:endParaRPr lang="en-US" altLang="ko-KR" dirty="0">
-              <a:solidFill>
-                <a:schemeClr val="tx1">
-                  <a:lumMod val="50000"/>
-                  <a:lumOff val="50000"/>
-                </a:schemeClr>
-              </a:solidFill>
-              <a:latin typeface="G마켓 산스 TTF Medium" panose="02000000000000000000" pitchFamily="2" charset="-127"/>
-              <a:ea typeface="G마켓 산스 TTF Medium" panose="02000000000000000000" pitchFamily="2" charset="-127"/>
-            </a:endParaRPr>
-          </a:p>
-          <a:p>
-            <a:endParaRPr lang="en-US" altLang="ko-KR" dirty="0">
-              <a:solidFill>
-                <a:schemeClr val="tx1">
-                  <a:lumMod val="50000"/>
-                  <a:lumOff val="50000"/>
-                </a:schemeClr>
-              </a:solidFill>
-              <a:latin typeface="G마켓 산스 TTF Medium" panose="02000000000000000000" pitchFamily="2" charset="-127"/>
-              <a:ea typeface="G마켓 산스 TTF Medium" panose="02000000000000000000" pitchFamily="2" charset="-127"/>
-            </a:endParaRPr>
-          </a:p>
-          <a:p>
-            <a:r>
-              <a:rPr lang="ko-KR" altLang="en-US" dirty="0">
-                <a:solidFill>
-                  <a:schemeClr val="tx1">
-                    <a:lumMod val="50000"/>
-                    <a:lumOff val="50000"/>
-                  </a:schemeClr>
-                </a:solidFill>
-                <a:latin typeface="G마켓 산스 TTF Medium" panose="02000000000000000000" pitchFamily="2" charset="-127"/>
-                <a:ea typeface="G마켓 산스 TTF Medium" panose="02000000000000000000" pitchFamily="2" charset="-127"/>
-              </a:rPr>
-              <a:t>대한</a:t>
-            </a:r>
-            <a:r>
-              <a:rPr lang="en-US" altLang="ko-KR" dirty="0">
-                <a:solidFill>
-                  <a:schemeClr val="tx1">
-                    <a:lumMod val="50000"/>
-                    <a:lumOff val="50000"/>
-                  </a:schemeClr>
-                </a:solidFill>
-                <a:latin typeface="G마켓 산스 TTF Medium" panose="02000000000000000000" pitchFamily="2" charset="-127"/>
-                <a:ea typeface="G마켓 산스 TTF Medium" panose="02000000000000000000" pitchFamily="2" charset="-127"/>
-              </a:rPr>
-              <a:t>’s note : </a:t>
-            </a:r>
-            <a:r>
-              <a:rPr lang="ko-KR" altLang="en-US" dirty="0">
-                <a:solidFill>
-                  <a:schemeClr val="tx1">
-                    <a:lumMod val="50000"/>
-                    <a:lumOff val="50000"/>
-                  </a:schemeClr>
-                </a:solidFill>
-                <a:latin typeface="G마켓 산스 TTF Medium" panose="02000000000000000000" pitchFamily="2" charset="-127"/>
-                <a:ea typeface="G마켓 산스 TTF Medium" panose="02000000000000000000" pitchFamily="2" charset="-127"/>
-              </a:rPr>
-              <a:t>이 자료는 아마 사용 </a:t>
-            </a:r>
-            <a:r>
-              <a:rPr lang="ko-KR" altLang="en-US" dirty="0" err="1">
-                <a:solidFill>
-                  <a:schemeClr val="tx1">
-                    <a:lumMod val="50000"/>
-                    <a:lumOff val="50000"/>
-                  </a:schemeClr>
-                </a:solidFill>
-                <a:latin typeface="G마켓 산스 TTF Medium" panose="02000000000000000000" pitchFamily="2" charset="-127"/>
-                <a:ea typeface="G마켓 산스 TTF Medium" panose="02000000000000000000" pitchFamily="2" charset="-127"/>
-              </a:rPr>
-              <a:t>못할것</a:t>
-            </a:r>
-            <a:r>
-              <a:rPr lang="ko-KR" altLang="en-US" dirty="0">
-                <a:solidFill>
-                  <a:schemeClr val="tx1">
-                    <a:lumMod val="50000"/>
-                    <a:lumOff val="50000"/>
-                  </a:schemeClr>
-                </a:solidFill>
-                <a:latin typeface="G마켓 산스 TTF Medium" panose="02000000000000000000" pitchFamily="2" charset="-127"/>
-                <a:ea typeface="G마켓 산스 TTF Medium" panose="02000000000000000000" pitchFamily="2" charset="-127"/>
-              </a:rPr>
-              <a:t> 같다</a:t>
-            </a:r>
-            <a:r>
-              <a:rPr lang="en-US" altLang="ko-KR" dirty="0">
-                <a:solidFill>
-                  <a:schemeClr val="tx1">
-                    <a:lumMod val="50000"/>
-                    <a:lumOff val="50000"/>
-                  </a:schemeClr>
-                </a:solidFill>
-                <a:latin typeface="G마켓 산스 TTF Medium" panose="02000000000000000000" pitchFamily="2" charset="-127"/>
-                <a:ea typeface="G마켓 산스 TTF Medium" panose="02000000000000000000" pitchFamily="2" charset="-127"/>
-              </a:rPr>
-              <a:t>. </a:t>
-            </a:r>
-          </a:p>
         </p:txBody>
       </p:sp>
-      <p:pic>
-        <p:nvPicPr>
-          <p:cNvPr id="9" name="그림 8">
-            <a:extLst>
-              <a:ext uri="{FF2B5EF4-FFF2-40B4-BE49-F238E27FC236}">
-                <a16:creationId xmlns:a16="http://schemas.microsoft.com/office/drawing/2014/main" id="{0A6B6C8C-12D4-A1D6-C59C-B6243446798C}"/>
-              </a:ext>
-            </a:extLst>
-          </p:cNvPr>
-          <p:cNvPicPr>
-            <a:picLocks noChangeAspect="1"/>
-          </p:cNvPicPr>
-          <p:nvPr/>
-        </p:nvPicPr>
-        <p:blipFill rotWithShape="1">
-          <a:blip r:embed="rId2"/>
-          <a:srcRect l="7274" t="1825" r="949" b="3886"/>
-          <a:stretch/>
-        </p:blipFill>
-        <p:spPr>
-          <a:xfrm>
-            <a:off x="1099930" y="2385722"/>
-            <a:ext cx="4945598" cy="3710278"/>
-          </a:xfrm>
-          <a:prstGeom prst="rect">
-            <a:avLst/>
-          </a:prstGeom>
-          <a:ln>
-            <a:solidFill>
-              <a:schemeClr val="tx1"/>
-            </a:solidFill>
-          </a:ln>
-        </p:spPr>
-      </p:pic>
     </p:spTree>
     <p:extLst>
       <p:ext uri="{BB962C8B-B14F-4D97-AF65-F5344CB8AC3E}">
-        <p14:creationId xmlns:p14="http://schemas.microsoft.com/office/powerpoint/2010/main" val="2722802399"/>
+        <p14:creationId xmlns:p14="http://schemas.microsoft.com/office/powerpoint/2010/main" val="4242234656"/>
       </p:ext>
     </p:extLst>
   </p:cSld>
